--- a/CAD/Mechanical/Slider assembly - supporting models/Figure editing/Figure editing.pptx
+++ b/CAD/Mechanical/Slider assembly - supporting models/Figure editing/Figure editing.pptx
@@ -9,6 +9,7 @@
     <p:sldId id="265" r:id="rId3"/>
     <p:sldId id="267" r:id="rId4"/>
     <p:sldId id="266" r:id="rId5"/>
+    <p:sldId id="268" r:id="rId6"/>
   </p:sldIdLst>
   <p:sldSz cx="9217025" cy="5761038"/>
   <p:notesSz cx="6858000" cy="9144000"/>
@@ -291,7 +292,7 @@
           <a:p>
             <a:fld id="{31925197-07B4-483D-AF51-A2B299987776}" type="datetimeFigureOut">
               <a:rPr lang="en-GB" smtClean="0"/>
-              <a:t>11/03/2023</a:t>
+              <a:t>19/09/2023</a:t>
             </a:fld>
             <a:endParaRPr lang="en-GB" dirty="0"/>
           </a:p>
@@ -461,7 +462,7 @@
           <a:p>
             <a:fld id="{31925197-07B4-483D-AF51-A2B299987776}" type="datetimeFigureOut">
               <a:rPr lang="en-GB" smtClean="0"/>
-              <a:t>11/03/2023</a:t>
+              <a:t>19/09/2023</a:t>
             </a:fld>
             <a:endParaRPr lang="en-GB" dirty="0"/>
           </a:p>
@@ -641,7 +642,7 @@
           <a:p>
             <a:fld id="{31925197-07B4-483D-AF51-A2B299987776}" type="datetimeFigureOut">
               <a:rPr lang="en-GB" smtClean="0"/>
-              <a:t>11/03/2023</a:t>
+              <a:t>19/09/2023</a:t>
             </a:fld>
             <a:endParaRPr lang="en-GB" dirty="0"/>
           </a:p>
@@ -811,7 +812,7 @@
           <a:p>
             <a:fld id="{31925197-07B4-483D-AF51-A2B299987776}" type="datetimeFigureOut">
               <a:rPr lang="en-GB" smtClean="0"/>
-              <a:t>11/03/2023</a:t>
+              <a:t>19/09/2023</a:t>
             </a:fld>
             <a:endParaRPr lang="en-GB" dirty="0"/>
           </a:p>
@@ -1057,7 +1058,7 @@
           <a:p>
             <a:fld id="{31925197-07B4-483D-AF51-A2B299987776}" type="datetimeFigureOut">
               <a:rPr lang="en-GB" smtClean="0"/>
-              <a:t>11/03/2023</a:t>
+              <a:t>19/09/2023</a:t>
             </a:fld>
             <a:endParaRPr lang="en-GB" dirty="0"/>
           </a:p>
@@ -1345,7 +1346,7 @@
           <a:p>
             <a:fld id="{31925197-07B4-483D-AF51-A2B299987776}" type="datetimeFigureOut">
               <a:rPr lang="en-GB" smtClean="0"/>
-              <a:t>11/03/2023</a:t>
+              <a:t>19/09/2023</a:t>
             </a:fld>
             <a:endParaRPr lang="en-GB" dirty="0"/>
           </a:p>
@@ -1767,7 +1768,7 @@
           <a:p>
             <a:fld id="{31925197-07B4-483D-AF51-A2B299987776}" type="datetimeFigureOut">
               <a:rPr lang="en-GB" smtClean="0"/>
-              <a:t>11/03/2023</a:t>
+              <a:t>19/09/2023</a:t>
             </a:fld>
             <a:endParaRPr lang="en-GB" dirty="0"/>
           </a:p>
@@ -1885,7 +1886,7 @@
           <a:p>
             <a:fld id="{31925197-07B4-483D-AF51-A2B299987776}" type="datetimeFigureOut">
               <a:rPr lang="en-GB" smtClean="0"/>
-              <a:t>11/03/2023</a:t>
+              <a:t>19/09/2023</a:t>
             </a:fld>
             <a:endParaRPr lang="en-GB" dirty="0"/>
           </a:p>
@@ -1980,7 +1981,7 @@
           <a:p>
             <a:fld id="{31925197-07B4-483D-AF51-A2B299987776}" type="datetimeFigureOut">
               <a:rPr lang="en-GB" smtClean="0"/>
-              <a:t>11/03/2023</a:t>
+              <a:t>19/09/2023</a:t>
             </a:fld>
             <a:endParaRPr lang="en-GB" dirty="0"/>
           </a:p>
@@ -2257,7 +2258,7 @@
           <a:p>
             <a:fld id="{31925197-07B4-483D-AF51-A2B299987776}" type="datetimeFigureOut">
               <a:rPr lang="en-GB" smtClean="0"/>
-              <a:t>11/03/2023</a:t>
+              <a:t>19/09/2023</a:t>
             </a:fld>
             <a:endParaRPr lang="en-GB" dirty="0"/>
           </a:p>
@@ -2510,7 +2511,7 @@
           <a:p>
             <a:fld id="{31925197-07B4-483D-AF51-A2B299987776}" type="datetimeFigureOut">
               <a:rPr lang="en-GB" smtClean="0"/>
-              <a:t>11/03/2023</a:t>
+              <a:t>19/09/2023</a:t>
             </a:fld>
             <a:endParaRPr lang="en-GB" dirty="0"/>
           </a:p>
@@ -2723,7 +2724,7 @@
           <a:p>
             <a:fld id="{31925197-07B4-483D-AF51-A2B299987776}" type="datetimeFigureOut">
               <a:rPr lang="en-GB" smtClean="0"/>
-              <a:t>11/03/2023</a:t>
+              <a:t>19/09/2023</a:t>
             </a:fld>
             <a:endParaRPr lang="en-GB" dirty="0"/>
           </a:p>
@@ -3698,15 +3699,7 @@
             <a:pPr algn="ctr"/>
             <a:r>
               <a:rPr lang="en-GB" sz="1600" dirty="0" smtClean="0"/>
-              <a:t>Then use dial test indicator attached to instrument frame, probing against threaded bar, to rotationally align coupling block by gently tapping the bar, before gently removing the assembly and </a:t>
-            </a:r>
-            <a:r>
-              <a:rPr lang="en-GB" sz="1600" dirty="0" smtClean="0"/>
-              <a:t>tightening </a:t>
-            </a:r>
-            <a:r>
-              <a:rPr lang="en-GB" sz="1600" dirty="0" smtClean="0"/>
-              <a:t>mounting screws</a:t>
+              <a:t>Then use dial test indicator attached to instrument frame, probing against threaded bar, to rotationally align coupling block by gently tapping the bar, before gently removing the assembly and tightening mounting screws</a:t>
             </a:r>
             <a:endParaRPr lang="en-GB" sz="1600" dirty="0"/>
           </a:p>
@@ -4658,6 +4651,156 @@
     <p:extLst>
       <p:ext uri="{BB962C8B-B14F-4D97-AF65-F5344CB8AC3E}">
         <p14:creationId xmlns:p14="http://schemas.microsoft.com/office/powerpoint/2010/main" val="1563001619"/>
+      </p:ext>
+    </p:extLst>
+  </p:cSld>
+  <p:clrMapOvr>
+    <a:masterClrMapping/>
+  </p:clrMapOvr>
+</p:sld>
+</file>
+
+<file path=ppt/slides/slide5.xml><?xml version="1.0" encoding="utf-8"?>
+<p:sld xmlns:a="http://schemas.openxmlformats.org/drawingml/2006/main" xmlns:r="http://schemas.openxmlformats.org/officeDocument/2006/relationships" xmlns:p="http://schemas.openxmlformats.org/presentationml/2006/main">
+  <p:cSld>
+    <p:spTree>
+      <p:nvGrpSpPr>
+        <p:cNvPr id="1" name=""/>
+        <p:cNvGrpSpPr/>
+        <p:nvPr/>
+      </p:nvGrpSpPr>
+      <p:grpSpPr>
+        <a:xfrm>
+          <a:off x="0" y="0"/>
+          <a:ext cx="0" cy="0"/>
+          <a:chOff x="0" y="0"/>
+          <a:chExt cx="0" cy="0"/>
+        </a:xfrm>
+      </p:grpSpPr>
+      <p:pic>
+        <p:nvPicPr>
+          <p:cNvPr id="2" name="Picture 1"/>
+          <p:cNvPicPr>
+            <a:picLocks noChangeAspect="1"/>
+          </p:cNvPicPr>
+          <p:nvPr/>
+        </p:nvPicPr>
+        <p:blipFill>
+          <a:blip r:embed="rId2">
+            <a:extLst>
+              <a:ext uri="{28A0092B-C50C-407E-A947-70E740481C1C}">
+                <a14:useLocalDpi xmlns:a14="http://schemas.microsoft.com/office/drawing/2010/main" val="0"/>
+              </a:ext>
+            </a:extLst>
+          </a:blip>
+          <a:stretch>
+            <a:fillRect/>
+          </a:stretch>
+        </p:blipFill>
+        <p:spPr>
+          <a:xfrm>
+            <a:off x="228692" y="0"/>
+            <a:ext cx="8759640" cy="5761038"/>
+          </a:xfrm>
+          <a:prstGeom prst="rect">
+            <a:avLst/>
+          </a:prstGeom>
+          <a:solidFill>
+            <a:schemeClr val="bg1"/>
+          </a:solidFill>
+        </p:spPr>
+      </p:pic>
+      <p:sp>
+        <p:nvSpPr>
+          <p:cNvPr id="4" name="Rectangle 3"/>
+          <p:cNvSpPr/>
+          <p:nvPr/>
+        </p:nvSpPr>
+        <p:spPr>
+          <a:xfrm>
+            <a:off x="108012" y="36104"/>
+            <a:ext cx="9001000" cy="5688831"/>
+          </a:xfrm>
+          <a:prstGeom prst="rect">
+            <a:avLst/>
+          </a:prstGeom>
+          <a:solidFill>
+            <a:schemeClr val="bg1">
+              <a:alpha val="50000"/>
+            </a:schemeClr>
+          </a:solidFill>
+          <a:ln>
+            <a:noFill/>
+          </a:ln>
+        </p:spPr>
+        <p:style>
+          <a:lnRef idx="2">
+            <a:schemeClr val="accent1">
+              <a:shade val="50000"/>
+            </a:schemeClr>
+          </a:lnRef>
+          <a:fillRef idx="1">
+            <a:schemeClr val="accent1"/>
+          </a:fillRef>
+          <a:effectRef idx="0">
+            <a:schemeClr val="accent1"/>
+          </a:effectRef>
+          <a:fontRef idx="minor">
+            <a:schemeClr val="lt1"/>
+          </a:fontRef>
+        </p:style>
+        <p:txBody>
+          <a:bodyPr rtlCol="0" anchor="ctr"/>
+          <a:lstStyle/>
+          <a:p>
+            <a:pPr algn="ctr"/>
+            <a:endParaRPr lang="en-GB"/>
+          </a:p>
+        </p:txBody>
+      </p:sp>
+      <p:sp>
+        <p:nvSpPr>
+          <p:cNvPr id="3" name="TextBox 2"/>
+          <p:cNvSpPr txBox="1"/>
+          <p:nvPr/>
+        </p:nvSpPr>
+        <p:spPr>
+          <a:xfrm>
+            <a:off x="288032" y="2372688"/>
+            <a:ext cx="8640960" cy="1015663"/>
+          </a:xfrm>
+          <a:prstGeom prst="rect">
+            <a:avLst/>
+          </a:prstGeom>
+          <a:noFill/>
+        </p:spPr>
+        <p:txBody>
+          <a:bodyPr wrap="square" rtlCol="0">
+            <a:spAutoFit/>
+          </a:bodyPr>
+          <a:lstStyle/>
+          <a:p>
+            <a:pPr algn="ctr"/>
+            <a:r>
+              <a:rPr lang="en-GB" sz="6000" b="1" dirty="0" smtClean="0">
+                <a:solidFill>
+                  <a:srgbClr val="FF0000"/>
+                </a:solidFill>
+              </a:rPr>
+              <a:t>CLICK IMAGE FOR PDF FILE</a:t>
+            </a:r>
+            <a:endParaRPr lang="en-GB" sz="6000" b="1" dirty="0">
+              <a:solidFill>
+                <a:srgbClr val="FF0000"/>
+              </a:solidFill>
+            </a:endParaRPr>
+          </a:p>
+        </p:txBody>
+      </p:sp>
+    </p:spTree>
+    <p:extLst>
+      <p:ext uri="{BB962C8B-B14F-4D97-AF65-F5344CB8AC3E}">
+        <p14:creationId xmlns:p14="http://schemas.microsoft.com/office/powerpoint/2010/main" val="3928880971"/>
       </p:ext>
     </p:extLst>
   </p:cSld>

--- a/CAD/Mechanical/Slider assembly - supporting models/Figure editing/Figure editing.pptx
+++ b/CAD/Mechanical/Slider assembly - supporting models/Figure editing/Figure editing.pptx
@@ -4766,8 +4766,8 @@
         </p:nvSpPr>
         <p:spPr>
           <a:xfrm>
-            <a:off x="288032" y="2372688"/>
-            <a:ext cx="8640960" cy="1015663"/>
+            <a:off x="288032" y="3934505"/>
+            <a:ext cx="8640960" cy="1754326"/>
           </a:xfrm>
           <a:prstGeom prst="rect">
             <a:avLst/>
@@ -4782,18 +4782,10 @@
           <a:p>
             <a:pPr algn="ctr"/>
             <a:r>
-              <a:rPr lang="en-GB" sz="6000" b="1" dirty="0" smtClean="0">
-                <a:solidFill>
-                  <a:srgbClr val="FF0000"/>
-                </a:solidFill>
-              </a:rPr>
-              <a:t>CLICK IMAGE FOR PDF FILE</a:t>
-            </a:r>
-            <a:endParaRPr lang="en-GB" sz="6000" b="1" dirty="0">
-              <a:solidFill>
-                <a:srgbClr val="FF0000"/>
-              </a:solidFill>
-            </a:endParaRPr>
+              <a:rPr lang="en-GB" sz="5400" b="1" dirty="0" smtClean="0"/>
+              <a:t>LINK – CLICK TO OPEN/DOWNLOAD FILE</a:t>
+            </a:r>
+            <a:endParaRPr lang="en-GB" sz="5400" b="1" dirty="0"/>
           </a:p>
         </p:txBody>
       </p:sp>
